--- a/The Wumpus world.pptx
+++ b/The Wumpus world.pptx
@@ -3617,7 +3617,7 @@
           <a:p>
             <a:fld id="{9184DA70-C731-4C70-880D-CCD4705E623C}" type="datetime1">
               <a:rPr lang="en-US" smtClean="0"/>
-              <a:t>10/19/2020</a:t>
+              <a:t>9/6/2021</a:t>
             </a:fld>
             <a:endParaRPr lang="en-US" dirty="0"/>
           </a:p>
@@ -3805,7 +3805,7 @@
           <a:p>
             <a:fld id="{4BE1D723-8F53-4F53-90B0-1982A396982E}" type="datetime1">
               <a:rPr lang="en-US" smtClean="0"/>
-              <a:t>10/19/2020</a:t>
+              <a:t>9/6/2021</a:t>
             </a:fld>
             <a:endParaRPr lang="en-US" dirty="0"/>
           </a:p>
@@ -4178,7 +4178,7 @@
           <a:p>
             <a:fld id="{97669AF7-7BEB-44E4-9852-375E34362B5B}" type="datetime1">
               <a:rPr lang="en-US" smtClean="0"/>
-              <a:t>10/19/2020</a:t>
+              <a:t>9/6/2021</a:t>
             </a:fld>
             <a:endParaRPr lang="en-US" dirty="0"/>
           </a:p>
@@ -4433,7 +4433,7 @@
           <a:p>
             <a:fld id="{BAAAC38D-0552-4C82-B593-E6124DFADBE2}" type="datetime1">
               <a:rPr lang="en-US" smtClean="0"/>
-              <a:t>10/19/2020</a:t>
+              <a:t>9/6/2021</a:t>
             </a:fld>
             <a:endParaRPr lang="en-US" dirty="0"/>
           </a:p>
@@ -4830,7 +4830,7 @@
           <a:p>
             <a:fld id="{D9DF0F1C-5577-4ACB-BB62-DF8F3C494C7E}" type="datetime1">
               <a:rPr lang="en-US" smtClean="0"/>
-              <a:t>10/19/2020</a:t>
+              <a:t>9/6/2021</a:t>
             </a:fld>
             <a:endParaRPr lang="en-US" dirty="0"/>
           </a:p>
@@ -4966,7 +4966,7 @@
           <a:p>
             <a:fld id="{1775B394-D9F9-4F0C-B15D-605F45CB9E9F}" type="datetime1">
               <a:rPr lang="en-US" smtClean="0"/>
-              <a:t>10/19/2020</a:t>
+              <a:t>9/6/2021</a:t>
             </a:fld>
             <a:endParaRPr lang="en-US" dirty="0"/>
           </a:p>
@@ -5123,7 +5123,7 @@
           <a:p>
             <a:fld id="{39667345-2558-425A-8533-9BFDBCE15005}" type="datetime1">
               <a:rPr lang="en-US" smtClean="0"/>
-              <a:t>10/19/2020</a:t>
+              <a:t>9/6/2021</a:t>
             </a:fld>
             <a:endParaRPr lang="en-US" dirty="0"/>
           </a:p>
@@ -5452,7 +5452,7 @@
           <a:p>
             <a:fld id="{92BEA474-078D-4E9B-9B14-09A87B19DC46}" type="datetime1">
               <a:rPr lang="en-US" smtClean="0"/>
-              <a:t>10/19/2020</a:t>
+              <a:t>9/6/2021</a:t>
             </a:fld>
             <a:endParaRPr lang="en-US" dirty="0"/>
           </a:p>
@@ -5802,7 +5802,7 @@
           <a:p>
             <a:fld id="{4907D986-8816-4272-A432-0437A28A9828}" type="datetime1">
               <a:rPr lang="en-US" smtClean="0"/>
-              <a:t>10/19/2020</a:t>
+              <a:t>9/6/2021</a:t>
             </a:fld>
             <a:endParaRPr lang="en-US" dirty="0"/>
           </a:p>
@@ -6063,7 +6063,7 @@
           <a:p>
             <a:fld id="{62D6E202-B606-4609-B914-27C9371A1F6D}" type="datetime1">
               <a:rPr lang="en-US" smtClean="0"/>
-              <a:t>10/19/2020</a:t>
+              <a:t>9/6/2021</a:t>
             </a:fld>
             <a:endParaRPr lang="en-US" dirty="0"/>
           </a:p>
@@ -7153,12 +7153,12 @@
           <a:graphicData uri="http://schemas.openxmlformats.org/presentationml/2006/ole">
             <mc:AlternateContent xmlns:mc="http://schemas.openxmlformats.org/markup-compatibility/2006">
               <mc:Choice xmlns:v="urn:schemas-microsoft-com:vml" Requires="v">
-                <p:oleObj spid="_x0000_s4134" name="Equation" r:id="rId3" imgW="2654280" imgH="431640" progId="Equation.3">
+                <p:oleObj name="Equation" r:id="rId2" imgW="2654280" imgH="431640" progId="Equation.3">
                   <p:embed/>
                 </p:oleObj>
               </mc:Choice>
               <mc:Fallback>
-                <p:oleObj name="Equation" r:id="rId3" imgW="2654280" imgH="431640" progId="Equation.3">
+                <p:oleObj name="Equation" r:id="rId2" imgW="2654280" imgH="431640" progId="Equation.3">
                   <p:embed/>
                   <p:pic>
                     <p:nvPicPr>
@@ -7175,7 +7175,7 @@
                       <p:nvPr/>
                     </p:nvPicPr>
                     <p:blipFill>
-                      <a:blip r:embed="rId4">
+                      <a:blip r:embed="rId3">
                         <a:extLst>
                           <a:ext uri="{28A0092B-C50C-407E-A947-70E740481C1C}">
                             <a14:useLocalDpi xmlns:a14="http://schemas.microsoft.com/office/drawing/2010/main" val="0"/>
@@ -7300,12 +7300,12 @@
           <a:graphicData uri="http://schemas.openxmlformats.org/presentationml/2006/ole">
             <mc:AlternateContent xmlns:mc="http://schemas.openxmlformats.org/markup-compatibility/2006">
               <mc:Choice xmlns:v="urn:schemas-microsoft-com:vml" Requires="v">
-                <p:oleObj spid="_x0000_s4135" name="Equation" r:id="rId5" imgW="2768400" imgH="203040" progId="Equation.3">
+                <p:oleObj name="Equation" r:id="rId4" imgW="2768400" imgH="203040" progId="Equation.3">
                   <p:embed/>
                 </p:oleObj>
               </mc:Choice>
               <mc:Fallback>
-                <p:oleObj name="Equation" r:id="rId5" imgW="2768400" imgH="203040" progId="Equation.3">
+                <p:oleObj name="Equation" r:id="rId4" imgW="2768400" imgH="203040" progId="Equation.3">
                   <p:embed/>
                   <p:pic>
                     <p:nvPicPr>
@@ -7322,7 +7322,7 @@
                       <p:nvPr/>
                     </p:nvPicPr>
                     <p:blipFill>
-                      <a:blip r:embed="rId6">
+                      <a:blip r:embed="rId5">
                         <a:extLst>
                           <a:ext uri="{28A0092B-C50C-407E-A947-70E740481C1C}">
                             <a14:useLocalDpi xmlns:a14="http://schemas.microsoft.com/office/drawing/2010/main" val="0"/>
@@ -7447,12 +7447,12 @@
           <a:graphicData uri="http://schemas.openxmlformats.org/presentationml/2006/ole">
             <mc:AlternateContent xmlns:mc="http://schemas.openxmlformats.org/markup-compatibility/2006">
               <mc:Choice xmlns:v="urn:schemas-microsoft-com:vml" Requires="v">
-                <p:oleObj spid="_x0000_s4136" name="Equation" r:id="rId7" imgW="2679480" imgH="203040" progId="Equation.3">
+                <p:oleObj name="Equation" r:id="rId6" imgW="2679480" imgH="203040" progId="Equation.3">
                   <p:embed/>
                 </p:oleObj>
               </mc:Choice>
               <mc:Fallback>
-                <p:oleObj name="Equation" r:id="rId7" imgW="2679480" imgH="203040" progId="Equation.3">
+                <p:oleObj name="Equation" r:id="rId6" imgW="2679480" imgH="203040" progId="Equation.3">
                   <p:embed/>
                   <p:pic>
                     <p:nvPicPr>
@@ -7469,7 +7469,7 @@
                       <p:nvPr/>
                     </p:nvPicPr>
                     <p:blipFill>
-                      <a:blip r:embed="rId8">
+                      <a:blip r:embed="rId7">
                         <a:extLst>
                           <a:ext uri="{28A0092B-C50C-407E-A947-70E740481C1C}">
                             <a14:useLocalDpi xmlns:a14="http://schemas.microsoft.com/office/drawing/2010/main" val="0"/>
@@ -7654,12 +7654,12 @@
           <a:graphicData uri="http://schemas.openxmlformats.org/presentationml/2006/ole">
             <mc:AlternateContent xmlns:mc="http://schemas.openxmlformats.org/markup-compatibility/2006">
               <mc:Choice xmlns:v="urn:schemas-microsoft-com:vml" Requires="v">
-                <p:oleObj spid="_x0000_s5135" name="Equation" r:id="rId3" imgW="2793960" imgH="203040" progId="Equation.3">
+                <p:oleObj name="Equation" r:id="rId2" imgW="2793960" imgH="203040" progId="Equation.3">
                   <p:embed/>
                 </p:oleObj>
               </mc:Choice>
               <mc:Fallback>
-                <p:oleObj name="Equation" r:id="rId3" imgW="2793960" imgH="203040" progId="Equation.3">
+                <p:oleObj name="Equation" r:id="rId2" imgW="2793960" imgH="203040" progId="Equation.3">
                   <p:embed/>
                   <p:pic>
                     <p:nvPicPr>
@@ -7676,7 +7676,7 @@
                       <p:nvPr/>
                     </p:nvPicPr>
                     <p:blipFill>
-                      <a:blip r:embed="rId4">
+                      <a:blip r:embed="rId3">
                         <a:extLst>
                           <a:ext uri="{28A0092B-C50C-407E-A947-70E740481C1C}">
                             <a14:useLocalDpi xmlns:a14="http://schemas.microsoft.com/office/drawing/2010/main" val="0"/>
@@ -8238,12 +8238,12 @@
           <a:graphicData uri="http://schemas.openxmlformats.org/presentationml/2006/ole">
             <mc:AlternateContent xmlns:mc="http://schemas.openxmlformats.org/markup-compatibility/2006">
               <mc:Choice xmlns:v="urn:schemas-microsoft-com:vml" Requires="v">
-                <p:oleObj spid="_x0000_s6168" name="Equation" r:id="rId3" imgW="2311200" imgH="228600" progId="Equation.3">
+                <p:oleObj name="Equation" r:id="rId2" imgW="2311200" imgH="228600" progId="Equation.3">
                   <p:embed/>
                 </p:oleObj>
               </mc:Choice>
               <mc:Fallback>
-                <p:oleObj name="Equation" r:id="rId3" imgW="2311200" imgH="228600" progId="Equation.3">
+                <p:oleObj name="Equation" r:id="rId2" imgW="2311200" imgH="228600" progId="Equation.3">
                   <p:embed/>
                   <p:pic>
                     <p:nvPicPr>
@@ -8260,7 +8260,7 @@
                       <p:nvPr/>
                     </p:nvPicPr>
                     <p:blipFill>
-                      <a:blip r:embed="rId4">
+                      <a:blip r:embed="rId3">
                         <a:extLst>
                           <a:ext uri="{28A0092B-C50C-407E-A947-70E740481C1C}">
                             <a14:useLocalDpi xmlns:a14="http://schemas.microsoft.com/office/drawing/2010/main" val="0"/>
@@ -8349,12 +8349,12 @@
           <a:graphicData uri="http://schemas.openxmlformats.org/presentationml/2006/ole">
             <mc:AlternateContent xmlns:mc="http://schemas.openxmlformats.org/markup-compatibility/2006">
               <mc:Choice xmlns:v="urn:schemas-microsoft-com:vml" Requires="v">
-                <p:oleObj spid="_x0000_s6169" name="Equation" r:id="rId5" imgW="1752480" imgH="457200" progId="Equation.3">
+                <p:oleObj name="Equation" r:id="rId4" imgW="1752480" imgH="457200" progId="Equation.3">
                   <p:embed/>
                 </p:oleObj>
               </mc:Choice>
               <mc:Fallback>
-                <p:oleObj name="Equation" r:id="rId5" imgW="1752480" imgH="457200" progId="Equation.3">
+                <p:oleObj name="Equation" r:id="rId4" imgW="1752480" imgH="457200" progId="Equation.3">
                   <p:embed/>
                   <p:pic>
                     <p:nvPicPr>
@@ -8371,7 +8371,7 @@
                       <p:nvPr/>
                     </p:nvPicPr>
                     <p:blipFill>
-                      <a:blip r:embed="rId6">
+                      <a:blip r:embed="rId5">
                         <a:extLst>
                           <a:ext uri="{28A0092B-C50C-407E-A947-70E740481C1C}">
                             <a14:useLocalDpi xmlns:a14="http://schemas.microsoft.com/office/drawing/2010/main" val="0"/>
@@ -8447,7 +8447,7 @@
           <p:nvPr/>
         </p:nvPicPr>
         <p:blipFill>
-          <a:blip r:embed="rId7">
+          <a:blip r:embed="rId6">
             <a:extLst>
               <a:ext uri="{28A0092B-C50C-407E-A947-70E740481C1C}">
                 <a14:useLocalDpi xmlns:a14="http://schemas.microsoft.com/office/drawing/2010/main" val="0"/>
@@ -8695,12 +8695,12 @@
           <a:graphicData uri="http://schemas.openxmlformats.org/presentationml/2006/ole">
             <mc:AlternateContent xmlns:mc="http://schemas.openxmlformats.org/markup-compatibility/2006">
               <mc:Choice xmlns:v="urn:schemas-microsoft-com:vml" Requires="v">
-                <p:oleObj spid="_x0000_s7193" name="Equation" r:id="rId3" imgW="3085920" imgH="203040" progId="Equation.3">
+                <p:oleObj name="Equation" r:id="rId2" imgW="3085920" imgH="203040" progId="Equation.3">
                   <p:embed/>
                 </p:oleObj>
               </mc:Choice>
               <mc:Fallback>
-                <p:oleObj name="Equation" r:id="rId3" imgW="3085920" imgH="203040" progId="Equation.3">
+                <p:oleObj name="Equation" r:id="rId2" imgW="3085920" imgH="203040" progId="Equation.3">
                   <p:embed/>
                   <p:pic>
                     <p:nvPicPr>
@@ -8717,7 +8717,7 @@
                       <p:nvPr/>
                     </p:nvPicPr>
                     <p:blipFill>
-                      <a:blip r:embed="rId4">
+                      <a:blip r:embed="rId3">
                         <a:extLst>
                           <a:ext uri="{28A0092B-C50C-407E-A947-70E740481C1C}">
                             <a14:useLocalDpi xmlns:a14="http://schemas.microsoft.com/office/drawing/2010/main" val="0"/>
@@ -8806,12 +8806,12 @@
           <a:graphicData uri="http://schemas.openxmlformats.org/presentationml/2006/ole">
             <mc:AlternateContent xmlns:mc="http://schemas.openxmlformats.org/markup-compatibility/2006">
               <mc:Choice xmlns:v="urn:schemas-microsoft-com:vml" Requires="v">
-                <p:oleObj spid="_x0000_s7194" name="Equation" r:id="rId5" imgW="3149280" imgH="203040" progId="Equation.3">
+                <p:oleObj name="Equation" r:id="rId4" imgW="3149280" imgH="203040" progId="Equation.3">
                   <p:embed/>
                 </p:oleObj>
               </mc:Choice>
               <mc:Fallback>
-                <p:oleObj name="Equation" r:id="rId5" imgW="3149280" imgH="203040" progId="Equation.3">
+                <p:oleObj name="Equation" r:id="rId4" imgW="3149280" imgH="203040" progId="Equation.3">
                   <p:embed/>
                   <p:pic>
                     <p:nvPicPr>
@@ -8828,7 +8828,7 @@
                       <p:nvPr/>
                     </p:nvPicPr>
                     <p:blipFill>
-                      <a:blip r:embed="rId6">
+                      <a:blip r:embed="rId5">
                         <a:extLst>
                           <a:ext uri="{28A0092B-C50C-407E-A947-70E740481C1C}">
                             <a14:useLocalDpi xmlns:a14="http://schemas.microsoft.com/office/drawing/2010/main" val="0"/>
@@ -9060,12 +9060,12 @@
           <a:graphicData uri="http://schemas.openxmlformats.org/presentationml/2006/ole">
             <mc:AlternateContent xmlns:mc="http://schemas.openxmlformats.org/markup-compatibility/2006">
               <mc:Choice xmlns:v="urn:schemas-microsoft-com:vml" Requires="v">
-                <p:oleObj spid="_x0000_s8206" name="Equation" r:id="rId3" imgW="2361960" imgH="660240" progId="Equation.3">
+                <p:oleObj name="Equation" r:id="rId2" imgW="2361960" imgH="660240" progId="Equation.3">
                   <p:embed/>
                 </p:oleObj>
               </mc:Choice>
               <mc:Fallback>
-                <p:oleObj name="Equation" r:id="rId3" imgW="2361960" imgH="660240" progId="Equation.3">
+                <p:oleObj name="Equation" r:id="rId2" imgW="2361960" imgH="660240" progId="Equation.3">
                   <p:embed/>
                   <p:pic>
                     <p:nvPicPr>
@@ -9082,7 +9082,7 @@
                       <p:nvPr/>
                     </p:nvPicPr>
                     <p:blipFill>
-                      <a:blip r:embed="rId4">
+                      <a:blip r:embed="rId3">
                         <a:extLst>
                           <a:ext uri="{28A0092B-C50C-407E-A947-70E740481C1C}">
                             <a14:useLocalDpi xmlns:a14="http://schemas.microsoft.com/office/drawing/2010/main" val="0"/>
@@ -10403,12 +10403,12 @@
           <a:graphicData uri="http://schemas.openxmlformats.org/presentationml/2006/ole">
             <mc:AlternateContent xmlns:mc="http://schemas.openxmlformats.org/markup-compatibility/2006">
               <mc:Choice xmlns:v="urn:schemas-microsoft-com:vml" Requires="v">
-                <p:oleObj spid="_x0000_s9242" name="Equation" r:id="rId3" imgW="1231560" imgH="228600" progId="Equation.3">
+                <p:oleObj name="Equation" r:id="rId2" imgW="1231560" imgH="228600" progId="Equation.3">
                   <p:embed/>
                 </p:oleObj>
               </mc:Choice>
               <mc:Fallback>
-                <p:oleObj name="Equation" r:id="rId3" imgW="1231560" imgH="228600" progId="Equation.3">
+                <p:oleObj name="Equation" r:id="rId2" imgW="1231560" imgH="228600" progId="Equation.3">
                   <p:embed/>
                   <p:pic>
                     <p:nvPicPr>
@@ -10425,7 +10425,7 @@
                       <p:nvPr/>
                     </p:nvPicPr>
                     <p:blipFill>
-                      <a:blip r:embed="rId4">
+                      <a:blip r:embed="rId3">
                         <a:extLst>
                           <a:ext uri="{28A0092B-C50C-407E-A947-70E740481C1C}">
                             <a14:useLocalDpi xmlns:a14="http://schemas.microsoft.com/office/drawing/2010/main" val="0"/>
@@ -10514,12 +10514,12 @@
           <a:graphicData uri="http://schemas.openxmlformats.org/presentationml/2006/ole">
             <mc:AlternateContent xmlns:mc="http://schemas.openxmlformats.org/markup-compatibility/2006">
               <mc:Choice xmlns:v="urn:schemas-microsoft-com:vml" Requires="v">
-                <p:oleObj spid="_x0000_s9243" name="Equation" r:id="rId5" imgW="2819160" imgH="888840" progId="Equation.3">
+                <p:oleObj name="Equation" r:id="rId4" imgW="2819160" imgH="888840" progId="Equation.3">
                   <p:embed/>
                 </p:oleObj>
               </mc:Choice>
               <mc:Fallback>
-                <p:oleObj name="Equation" r:id="rId5" imgW="2819160" imgH="888840" progId="Equation.3">
+                <p:oleObj name="Equation" r:id="rId4" imgW="2819160" imgH="888840" progId="Equation.3">
                   <p:embed/>
                   <p:pic>
                     <p:nvPicPr>
@@ -10536,7 +10536,7 @@
                       <p:nvPr/>
                     </p:nvPicPr>
                     <p:blipFill>
-                      <a:blip r:embed="rId6">
+                      <a:blip r:embed="rId5">
                         <a:extLst>
                           <a:ext uri="{28A0092B-C50C-407E-A947-70E740481C1C}">
                             <a14:useLocalDpi xmlns:a14="http://schemas.microsoft.com/office/drawing/2010/main" val="0"/>
@@ -10738,12 +10738,12 @@
           <a:graphicData uri="http://schemas.openxmlformats.org/presentationml/2006/ole">
             <mc:AlternateContent xmlns:mc="http://schemas.openxmlformats.org/markup-compatibility/2006">
               <mc:Choice xmlns:v="urn:schemas-microsoft-com:vml" Requires="v">
-                <p:oleObj spid="_x0000_s10266" name="Equation" r:id="rId3" imgW="3454200" imgH="431640" progId="Equation.3">
+                <p:oleObj name="Equation" r:id="rId2" imgW="3454200" imgH="431640" progId="Equation.3">
                   <p:embed/>
                 </p:oleObj>
               </mc:Choice>
               <mc:Fallback>
-                <p:oleObj name="Equation" r:id="rId3" imgW="3454200" imgH="431640" progId="Equation.3">
+                <p:oleObj name="Equation" r:id="rId2" imgW="3454200" imgH="431640" progId="Equation.3">
                   <p:embed/>
                   <p:pic>
                     <p:nvPicPr>
@@ -10760,7 +10760,7 @@
                       <p:nvPr/>
                     </p:nvPicPr>
                     <p:blipFill>
-                      <a:blip r:embed="rId4">
+                      <a:blip r:embed="rId3">
                         <a:extLst>
                           <a:ext uri="{28A0092B-C50C-407E-A947-70E740481C1C}">
                             <a14:useLocalDpi xmlns:a14="http://schemas.microsoft.com/office/drawing/2010/main" val="0"/>
@@ -10849,12 +10849,12 @@
           <a:graphicData uri="http://schemas.openxmlformats.org/presentationml/2006/ole">
             <mc:AlternateContent xmlns:mc="http://schemas.openxmlformats.org/markup-compatibility/2006">
               <mc:Choice xmlns:v="urn:schemas-microsoft-com:vml" Requires="v">
-                <p:oleObj spid="_x0000_s10267" name="Equation" r:id="rId5" imgW="3174840" imgH="660240" progId="Equation.3">
+                <p:oleObj name="Equation" r:id="rId4" imgW="3174840" imgH="660240" progId="Equation.3">
                   <p:embed/>
                 </p:oleObj>
               </mc:Choice>
               <mc:Fallback>
-                <p:oleObj name="Equation" r:id="rId5" imgW="3174840" imgH="660240" progId="Equation.3">
+                <p:oleObj name="Equation" r:id="rId4" imgW="3174840" imgH="660240" progId="Equation.3">
                   <p:embed/>
                   <p:pic>
                     <p:nvPicPr>
@@ -10871,7 +10871,7 @@
                       <p:nvPr/>
                     </p:nvPicPr>
                     <p:blipFill>
-                      <a:blip r:embed="rId6">
+                      <a:blip r:embed="rId5">
                         <a:extLst>
                           <a:ext uri="{28A0092B-C50C-407E-A947-70E740481C1C}">
                             <a14:useLocalDpi xmlns:a14="http://schemas.microsoft.com/office/drawing/2010/main" val="0"/>
@@ -11057,12 +11057,12 @@
           <a:graphicData uri="http://schemas.openxmlformats.org/presentationml/2006/ole">
             <mc:AlternateContent xmlns:mc="http://schemas.openxmlformats.org/markup-compatibility/2006">
               <mc:Choice xmlns:v="urn:schemas-microsoft-com:vml" Requires="v">
-                <p:oleObj spid="_x0000_s11278" name="Equation" r:id="rId3" imgW="2869920" imgH="203040" progId="Equation.3">
+                <p:oleObj name="Equation" r:id="rId2" imgW="2869920" imgH="203040" progId="Equation.3">
                   <p:embed/>
                 </p:oleObj>
               </mc:Choice>
               <mc:Fallback>
-                <p:oleObj name="Equation" r:id="rId3" imgW="2869920" imgH="203040" progId="Equation.3">
+                <p:oleObj name="Equation" r:id="rId2" imgW="2869920" imgH="203040" progId="Equation.3">
                   <p:embed/>
                   <p:pic>
                     <p:nvPicPr>
@@ -11079,7 +11079,7 @@
                       <p:nvPr/>
                     </p:nvPicPr>
                     <p:blipFill>
-                      <a:blip r:embed="rId4">
+                      <a:blip r:embed="rId3">
                         <a:extLst>
                           <a:ext uri="{28A0092B-C50C-407E-A947-70E740481C1C}">
                             <a14:useLocalDpi xmlns:a14="http://schemas.microsoft.com/office/drawing/2010/main" val="0"/>
@@ -12200,6 +12200,42 @@
             <a:r>
               <a:rPr lang="en-US" dirty="0"/>
               <a:t>Thank you</a:t>
+            </a:r>
+            <a:endParaRPr lang="en-IN" dirty="0"/>
+          </a:p>
+        </p:txBody>
+      </p:sp>
+      <p:sp>
+        <p:nvSpPr>
+          <p:cNvPr id="3" name="TextBox 2">
+            <a:extLst>
+              <a:ext uri="{FF2B5EF4-FFF2-40B4-BE49-F238E27FC236}">
+                <a16:creationId xmlns:a16="http://schemas.microsoft.com/office/drawing/2014/main" id="{7C4DE70D-C785-4CBF-A1F5-289200E0CF8E}"/>
+              </a:ext>
+            </a:extLst>
+          </p:cNvPr>
+          <p:cNvSpPr txBox="1"/>
+          <p:nvPr/>
+        </p:nvSpPr>
+        <p:spPr>
+          <a:xfrm>
+            <a:off x="3968319" y="3662039"/>
+            <a:ext cx="3312702" cy="369332"/>
+          </a:xfrm>
+          <a:prstGeom prst="rect">
+            <a:avLst/>
+          </a:prstGeom>
+          <a:noFill/>
+        </p:spPr>
+        <p:txBody>
+          <a:bodyPr wrap="square" rtlCol="0">
+            <a:spAutoFit/>
+          </a:bodyPr>
+          <a:lstStyle/>
+          <a:p>
+            <a:r>
+              <a:rPr lang="en-US" dirty="0"/>
+              <a:t>Bye</a:t>
             </a:r>
             <a:endParaRPr lang="en-IN" dirty="0"/>
           </a:p>
@@ -14594,12 +14630,12 @@
           <a:graphicData uri="http://schemas.openxmlformats.org/presentationml/2006/ole">
             <mc:AlternateContent xmlns:mc="http://schemas.openxmlformats.org/markup-compatibility/2006">
               <mc:Choice xmlns:v="urn:schemas-microsoft-com:vml" Requires="v">
-                <p:oleObj spid="_x0000_s1038" name="Equation" r:id="rId3" imgW="1130040" imgH="203040" progId="Equation.3">
+                <p:oleObj name="Equation" r:id="rId2" imgW="1130040" imgH="203040" progId="Equation.3">
                   <p:embed/>
                 </p:oleObj>
               </mc:Choice>
               <mc:Fallback>
-                <p:oleObj name="Equation" r:id="rId3" imgW="1130040" imgH="203040" progId="Equation.3">
+                <p:oleObj name="Equation" r:id="rId2" imgW="1130040" imgH="203040" progId="Equation.3">
                   <p:embed/>
                   <p:pic>
                     <p:nvPicPr>
@@ -14616,7 +14652,7 @@
                       <p:nvPr/>
                     </p:nvPicPr>
                     <p:blipFill>
-                      <a:blip r:embed="rId4">
+                      <a:blip r:embed="rId3">
                         <a:extLst>
                           <a:ext uri="{28A0092B-C50C-407E-A947-70E740481C1C}">
                             <a14:useLocalDpi xmlns:a14="http://schemas.microsoft.com/office/drawing/2010/main" val="0"/>
@@ -15424,12 +15460,12 @@
           <a:graphicData uri="http://schemas.openxmlformats.org/presentationml/2006/ole">
             <mc:AlternateContent xmlns:mc="http://schemas.openxmlformats.org/markup-compatibility/2006">
               <mc:Choice xmlns:v="urn:schemas-microsoft-com:vml" Requires="v">
-                <p:oleObj spid="_x0000_s2063" name="Equation" r:id="rId3" imgW="2819160" imgH="660240" progId="Equation.3">
+                <p:oleObj name="Equation" r:id="rId2" imgW="2819160" imgH="660240" progId="Equation.3">
                   <p:embed/>
                 </p:oleObj>
               </mc:Choice>
               <mc:Fallback>
-                <p:oleObj name="Equation" r:id="rId3" imgW="2819160" imgH="660240" progId="Equation.3">
+                <p:oleObj name="Equation" r:id="rId2" imgW="2819160" imgH="660240" progId="Equation.3">
                   <p:embed/>
                   <p:pic>
                     <p:nvPicPr>
@@ -15446,7 +15482,7 @@
                       <p:nvPr/>
                     </p:nvPicPr>
                     <p:blipFill>
-                      <a:blip r:embed="rId4">
+                      <a:blip r:embed="rId3">
                         <a:extLst>
                           <a:ext uri="{28A0092B-C50C-407E-A947-70E740481C1C}">
                             <a14:useLocalDpi xmlns:a14="http://schemas.microsoft.com/office/drawing/2010/main" val="0"/>
@@ -15688,12 +15724,12 @@
           <a:graphicData uri="http://schemas.openxmlformats.org/presentationml/2006/ole">
             <mc:AlternateContent xmlns:mc="http://schemas.openxmlformats.org/markup-compatibility/2006">
               <mc:Choice xmlns:v="urn:schemas-microsoft-com:vml" Requires="v">
-                <p:oleObj spid="_x0000_s3096" name="Equation" r:id="rId3" imgW="2057400" imgH="203040" progId="Equation.3">
+                <p:oleObj name="Equation" r:id="rId2" imgW="2057400" imgH="203040" progId="Equation.3">
                   <p:embed/>
                 </p:oleObj>
               </mc:Choice>
               <mc:Fallback>
-                <p:oleObj name="Equation" r:id="rId3" imgW="2057400" imgH="203040" progId="Equation.3">
+                <p:oleObj name="Equation" r:id="rId2" imgW="2057400" imgH="203040" progId="Equation.3">
                   <p:embed/>
                   <p:pic>
                     <p:nvPicPr>
@@ -15710,7 +15746,7 @@
                       <p:nvPr/>
                     </p:nvPicPr>
                     <p:blipFill>
-                      <a:blip r:embed="rId4">
+                      <a:blip r:embed="rId3">
                         <a:extLst>
                           <a:ext uri="{28A0092B-C50C-407E-A947-70E740481C1C}">
                             <a14:useLocalDpi xmlns:a14="http://schemas.microsoft.com/office/drawing/2010/main" val="0"/>
@@ -15806,12 +15842,12 @@
           <a:graphicData uri="http://schemas.openxmlformats.org/presentationml/2006/ole">
             <mc:AlternateContent xmlns:mc="http://schemas.openxmlformats.org/markup-compatibility/2006">
               <mc:Choice xmlns:v="urn:schemas-microsoft-com:vml" Requires="v">
-                <p:oleObj spid="_x0000_s3097" name="Equation" r:id="rId5" imgW="3340080" imgH="203040" progId="Equation.3">
+                <p:oleObj name="Equation" r:id="rId4" imgW="3340080" imgH="203040" progId="Equation.3">
                   <p:embed/>
                 </p:oleObj>
               </mc:Choice>
               <mc:Fallback>
-                <p:oleObj name="Equation" r:id="rId5" imgW="3340080" imgH="203040" progId="Equation.3">
+                <p:oleObj name="Equation" r:id="rId4" imgW="3340080" imgH="203040" progId="Equation.3">
                   <p:embed/>
                   <p:pic>
                     <p:nvPicPr>
@@ -15828,7 +15864,7 @@
                       <p:nvPr/>
                     </p:nvPicPr>
                     <p:blipFill>
-                      <a:blip r:embed="rId6">
+                      <a:blip r:embed="rId5">
                         <a:extLst>
                           <a:ext uri="{28A0092B-C50C-407E-A947-70E740481C1C}">
                             <a14:useLocalDpi xmlns:a14="http://schemas.microsoft.com/office/drawing/2010/main" val="0"/>
@@ -16229,21 +16265,21 @@
 </file>
 
 <file path=customXml/item1.xml><?xml version="1.0" encoding="utf-8"?>
+<p:properties xmlns:p="http://schemas.microsoft.com/office/2006/metadata/properties" xmlns:xsi="http://www.w3.org/2001/XMLSchema-instance" xmlns:pc="http://schemas.microsoft.com/office/infopath/2007/PartnerControls">
+  <documentManagement>
+    <Status xmlns="71af3243-3dd4-4a8d-8c0d-dd76da1f02a5">Not started</Status>
+    <MediaServiceKeyPoints xmlns="71af3243-3dd4-4a8d-8c0d-dd76da1f02a5" xsi:nil="true"/>
+  </documentManagement>
+</p:properties>
+</file>
+
+<file path=customXml/item2.xml><?xml version="1.0" encoding="utf-8"?>
 <?mso-contentType ?>
 <FormTemplates xmlns="http://schemas.microsoft.com/sharepoint/v3/contenttype/forms">
   <Display>DocumentLibraryForm</Display>
   <Edit>DocumentLibraryForm</Edit>
   <New>DocumentLibraryForm</New>
 </FormTemplates>
-</file>
-
-<file path=customXml/item2.xml><?xml version="1.0" encoding="utf-8"?>
-<p:properties xmlns:p="http://schemas.microsoft.com/office/2006/metadata/properties" xmlns:xsi="http://www.w3.org/2001/XMLSchema-instance" xmlns:pc="http://schemas.microsoft.com/office/infopath/2007/PartnerControls">
-  <documentManagement>
-    <Status xmlns="71af3243-3dd4-4a8d-8c0d-dd76da1f02a5">Not started</Status>
-    <MediaServiceKeyPoints xmlns="71af3243-3dd4-4a8d-8c0d-dd76da1f02a5" xsi:nil="true"/>
-  </documentManagement>
-</p:properties>
 </file>
 
 <file path=customXml/item3.xml><?xml version="1.0" encoding="utf-8"?>
@@ -16468,19 +16504,19 @@
 </file>
 
 <file path=customXml/itemProps1.xml><?xml version="1.0" encoding="utf-8"?>
-<ds:datastoreItem xmlns:ds="http://schemas.openxmlformats.org/officeDocument/2006/customXml" ds:itemID="{AA3F7EDC-E5B4-4BBC-9D2A-CBE6D46C37AD}">
+<ds:datastoreItem xmlns:ds="http://schemas.openxmlformats.org/officeDocument/2006/customXml" ds:itemID="{A03EEFF0-FB57-4CB4-8BFC-DF397689E2ED}">
   <ds:schemaRefs>
-    <ds:schemaRef ds:uri="http://schemas.microsoft.com/sharepoint/v3/contenttype/forms"/>
+    <ds:schemaRef ds:uri="http://schemas.microsoft.com/office/2006/metadata/properties"/>
+    <ds:schemaRef ds:uri="http://schemas.microsoft.com/office/infopath/2007/PartnerControls"/>
+    <ds:schemaRef ds:uri="71af3243-3dd4-4a8d-8c0d-dd76da1f02a5"/>
   </ds:schemaRefs>
 </ds:datastoreItem>
 </file>
 
 <file path=customXml/itemProps2.xml><?xml version="1.0" encoding="utf-8"?>
-<ds:datastoreItem xmlns:ds="http://schemas.openxmlformats.org/officeDocument/2006/customXml" ds:itemID="{A03EEFF0-FB57-4CB4-8BFC-DF397689E2ED}">
+<ds:datastoreItem xmlns:ds="http://schemas.openxmlformats.org/officeDocument/2006/customXml" ds:itemID="{AA3F7EDC-E5B4-4BBC-9D2A-CBE6D46C37AD}">
   <ds:schemaRefs>
-    <ds:schemaRef ds:uri="http://schemas.microsoft.com/office/2006/metadata/properties"/>
-    <ds:schemaRef ds:uri="http://schemas.microsoft.com/office/infopath/2007/PartnerControls"/>
-    <ds:schemaRef ds:uri="71af3243-3dd4-4a8d-8c0d-dd76da1f02a5"/>
+    <ds:schemaRef ds:uri="http://schemas.microsoft.com/sharepoint/v3/contenttype/forms"/>
   </ds:schemaRefs>
 </ds:datastoreItem>
 </file>
